--- a/study/n_01_UIUX요구분석_샘플_다나와.pptx
+++ b/study/n_01_UIUX요구분석_샘플_다나와.pptx
@@ -9256,7 +9256,7 @@
             <a:fld id="{6921685B-8A46-4547-B47D-D09C9DEE3113}" type="datetimeFigureOut">
               <a:rPr lang="ko-KR" altLang="en-US" smtClean="0"/>
               <a:pPr/>
-              <a:t>2021-09-06</a:t>
+              <a:t>2021-09-10</a:t>
             </a:fld>
             <a:endParaRPr lang="ko-KR" altLang="en-US" dirty="0"/>
           </a:p>
@@ -12022,7 +12022,7 @@
           <a:p>
             <a:fld id="{305352ED-F847-431A-9C4E-9984B483267A}" type="datetimeFigureOut">
               <a:rPr lang="ko-KR" altLang="en-US" smtClean="0"/>
-              <a:t>2021-09-06</a:t>
+              <a:t>2021-09-10</a:t>
             </a:fld>
             <a:endParaRPr lang="ko-KR" altLang="en-US"/>
           </a:p>
@@ -13566,7 +13566,7 @@
           <p:nvPr>
             <p:extLst>
               <p:ext uri="{D42A27DB-BD31-4B8C-83A1-F6EECF244321}">
-                <p14:modId xmlns:p14="http://schemas.microsoft.com/office/powerpoint/2010/main" val="3146240579"/>
+                <p14:modId xmlns:p14="http://schemas.microsoft.com/office/powerpoint/2010/main" val="986862402"/>
               </p:ext>
             </p:extLst>
           </p:nvPr>
@@ -15847,7 +15847,7 @@
         </p:nvSpPr>
         <p:spPr>
           <a:xfrm>
-            <a:off x="8453698" y="2288016"/>
+            <a:off x="8392312" y="2313666"/>
             <a:ext cx="685688" cy="276999"/>
           </a:xfrm>
           <a:prstGeom prst="rect">
@@ -24952,7 +24952,7 @@
           <p:nvPr>
             <p:extLst>
               <p:ext uri="{D42A27DB-BD31-4B8C-83A1-F6EECF244321}">
-                <p14:modId xmlns:p14="http://schemas.microsoft.com/office/powerpoint/2010/main" val="1780374651"/>
+                <p14:modId xmlns:p14="http://schemas.microsoft.com/office/powerpoint/2010/main" val="1333885027"/>
               </p:ext>
             </p:extLst>
           </p:nvPr>
